--- a/문서/3조 팀프로젝트 결과보고서.pptx
+++ b/문서/3조 팀프로젝트 결과보고서.pptx
@@ -3675,7 +3675,7 @@
         </p:blipFill>
         <p:spPr>
           <a:xfrm>
-            <a:off x="46911" y="-19514"/>
+            <a:off x="363" y="0"/>
             <a:ext cx="12192000" cy="6858000"/>
           </a:xfrm>
           <a:prstGeom prst="rect">
@@ -5278,6 +5278,145 @@
           </a:prstGeom>
         </p:spPr>
       </p:pic>
+      <p:sp>
+        <p:nvSpPr>
+          <p:cNvPr id="20" name="TextBox 19">
+            <a:extLst>
+              <a:ext uri="{FF2B5EF4-FFF2-40B4-BE49-F238E27FC236}">
+                <a16:creationId xmlns:a16="http://schemas.microsoft.com/office/drawing/2014/main" id="{FE7461E2-1649-42AE-AE0F-48C5C5C84E46}"/>
+              </a:ext>
+            </a:extLst>
+          </p:cNvPr>
+          <p:cNvSpPr txBox="1"/>
+          <p:nvPr/>
+        </p:nvSpPr>
+        <p:spPr>
+          <a:xfrm>
+            <a:off x="6824895" y="5121188"/>
+            <a:ext cx="5158567" cy="402161"/>
+          </a:xfrm>
+          <a:prstGeom prst="rect">
+            <a:avLst/>
+          </a:prstGeom>
+          <a:noFill/>
+        </p:spPr>
+        <p:txBody>
+          <a:bodyPr tIns="0" bIns="0">
+            <a:spAutoFit/>
+          </a:bodyPr>
+          <a:lstStyle/>
+          <a:p>
+            <a:pPr>
+              <a:lnSpc>
+                <a:spcPct val="150000"/>
+              </a:lnSpc>
+              <a:defRPr/>
+            </a:pPr>
+            <a:r>
+              <a:rPr lang="en-US" altLang="ko-KR" sz="2000" b="1" dirty="0">
+                <a:ln>
+                  <a:solidFill>
+                    <a:schemeClr val="accent1">
+                      <a:shade val="15000"/>
+                      <a:alpha val="0"/>
+                    </a:schemeClr>
+                  </a:solidFill>
+                </a:ln>
+                <a:solidFill>
+                  <a:schemeClr val="tx1">
+                    <a:lumMod val="75000"/>
+                    <a:lumOff val="25000"/>
+                  </a:schemeClr>
+                </a:solidFill>
+                <a:latin typeface="맑은 고딕" panose="020B0503020000020004" pitchFamily="50" charset="-127"/>
+                <a:ea typeface="맑은 고딕" panose="020B0503020000020004" pitchFamily="50" charset="-127"/>
+              </a:rPr>
+              <a:t>[</a:t>
+            </a:r>
+            <a:r>
+              <a:rPr lang="ko-KR" altLang="en-US" sz="2000" b="1" dirty="0">
+                <a:ln>
+                  <a:solidFill>
+                    <a:schemeClr val="accent1">
+                      <a:shade val="15000"/>
+                      <a:alpha val="0"/>
+                    </a:schemeClr>
+                  </a:solidFill>
+                </a:ln>
+                <a:solidFill>
+                  <a:schemeClr val="tx1">
+                    <a:lumMod val="75000"/>
+                    <a:lumOff val="25000"/>
+                  </a:schemeClr>
+                </a:solidFill>
+                <a:latin typeface="맑은 고딕" panose="020B0503020000020004" pitchFamily="50" charset="-127"/>
+                <a:ea typeface="맑은 고딕" panose="020B0503020000020004" pitchFamily="50" charset="-127"/>
+              </a:rPr>
+              <a:t>멘토</a:t>
+            </a:r>
+            <a:r>
+              <a:rPr lang="en-US" altLang="ko-KR" sz="2000" b="1" dirty="0">
+                <a:ln>
+                  <a:solidFill>
+                    <a:schemeClr val="accent1">
+                      <a:shade val="15000"/>
+                      <a:alpha val="0"/>
+                    </a:schemeClr>
+                  </a:solidFill>
+                </a:ln>
+                <a:solidFill>
+                  <a:schemeClr val="tx1">
+                    <a:lumMod val="75000"/>
+                    <a:lumOff val="25000"/>
+                  </a:schemeClr>
+                </a:solidFill>
+                <a:latin typeface="맑은 고딕" panose="020B0503020000020004" pitchFamily="50" charset="-127"/>
+                <a:ea typeface="맑은 고딕" panose="020B0503020000020004" pitchFamily="50" charset="-127"/>
+              </a:rPr>
+              <a:t>] </a:t>
+            </a:r>
+            <a:r>
+              <a:rPr lang="ko-KR" altLang="en-US" sz="2000" b="1" dirty="0">
+                <a:ln>
+                  <a:solidFill>
+                    <a:schemeClr val="accent1">
+                      <a:shade val="15000"/>
+                      <a:alpha val="0"/>
+                    </a:schemeClr>
+                  </a:solidFill>
+                </a:ln>
+                <a:solidFill>
+                  <a:schemeClr val="tx1">
+                    <a:lumMod val="75000"/>
+                    <a:lumOff val="25000"/>
+                  </a:schemeClr>
+                </a:solidFill>
+                <a:latin typeface="맑은 고딕" panose="020B0503020000020004" pitchFamily="50" charset="-127"/>
+                <a:ea typeface="맑은 고딕" panose="020B0503020000020004" pitchFamily="50" charset="-127"/>
+              </a:rPr>
+              <a:t>김경훈</a:t>
+            </a:r>
+            <a:endParaRPr lang="en-US" altLang="ko-KR" sz="2000" b="1" dirty="0">
+              <a:ln>
+                <a:solidFill>
+                  <a:schemeClr val="accent1">
+                    <a:shade val="15000"/>
+                    <a:alpha val="0"/>
+                  </a:schemeClr>
+                </a:solidFill>
+              </a:ln>
+              <a:solidFill>
+                <a:schemeClr val="tx1">
+                  <a:lumMod val="75000"/>
+                  <a:lumOff val="25000"/>
+                </a:schemeClr>
+              </a:solidFill>
+              <a:latin typeface="맑은 고딕" panose="020B0503020000020004" pitchFamily="50" charset="-127"/>
+              <a:ea typeface="맑은 고딕" panose="020B0503020000020004" pitchFamily="50" charset="-127"/>
+            </a:endParaRPr>
+          </a:p>
+        </p:txBody>
+      </p:sp>
     </p:spTree>
     <p:extLst>
       <p:ext uri="{BB962C8B-B14F-4D97-AF65-F5344CB8AC3E}">
